--- a/bpf/topo.pptx
+++ b/bpf/topo.pptx
@@ -104,6 +104,11 @@
       </a:defRPr>
     </a:lvl9pPr>
   </p:defaultTextStyle>
+  <p:extLst>
+    <p:ext uri="{EFAFB233-063F-42B5-8137-9DF3F51BA10A}">
+      <p15:sldGuideLst xmlns:p15="http://schemas.microsoft.com/office/powerpoint/2012/main"/>
+    </p:ext>
+  </p:extLst>
 </p:presentation>
 </file>
 
@@ -5518,6 +5523,198 @@
           </p:style>
         </p:cxnSp>
       </p:grpSp>
+      <p:sp>
+        <p:nvSpPr>
+          <p:cNvPr id="3" name="文本框 2">
+            <a:extLst>
+              <a:ext uri="{FF2B5EF4-FFF2-40B4-BE49-F238E27FC236}">
+                <a16:creationId xmlns:a16="http://schemas.microsoft.com/office/drawing/2014/main" id="{A04BA385-D8B7-7648-9D62-71C065A332A9}"/>
+              </a:ext>
+            </a:extLst>
+          </p:cNvPr>
+          <p:cNvSpPr txBox="1"/>
+          <p:nvPr/>
+        </p:nvSpPr>
+        <p:spPr>
+          <a:xfrm>
+            <a:off x="4090989" y="1998105"/>
+            <a:ext cx="404278" cy="246221"/>
+          </a:xfrm>
+          <a:prstGeom prst="rect">
+            <a:avLst/>
+          </a:prstGeom>
+          <a:noFill/>
+        </p:spPr>
+        <p:txBody>
+          <a:bodyPr wrap="none" rtlCol="0">
+            <a:spAutoFit/>
+          </a:bodyPr>
+          <a:lstStyle/>
+          <a:p>
+            <a:r>
+              <a:rPr kumimoji="1" lang="en-US" altLang="zh-CN" sz="1000" dirty="0">
+                <a:solidFill>
+                  <a:srgbClr val="FF0000"/>
+                </a:solidFill>
+                <a:latin typeface="Arial Narrow" panose="020B0604020202020204" pitchFamily="34" charset="0"/>
+                <a:cs typeface="Arial Narrow" panose="020B0604020202020204" pitchFamily="34" charset="0"/>
+              </a:rPr>
+              <a:t>Dnat</a:t>
+            </a:r>
+            <a:endParaRPr kumimoji="1" lang="zh-CN" altLang="en-US" sz="1000" dirty="0">
+              <a:solidFill>
+                <a:srgbClr val="FF0000"/>
+              </a:solidFill>
+              <a:latin typeface="Arial Narrow" panose="020B0604020202020204" pitchFamily="34" charset="0"/>
+              <a:cs typeface="Arial Narrow" panose="020B0604020202020204" pitchFamily="34" charset="0"/>
+            </a:endParaRPr>
+          </a:p>
+        </p:txBody>
+      </p:sp>
+      <p:sp>
+        <p:nvSpPr>
+          <p:cNvPr id="5" name="文本框 4">
+            <a:extLst>
+              <a:ext uri="{FF2B5EF4-FFF2-40B4-BE49-F238E27FC236}">
+                <a16:creationId xmlns:a16="http://schemas.microsoft.com/office/drawing/2014/main" id="{8063D243-7FED-CC28-72D7-B1BA013673B5}"/>
+              </a:ext>
+            </a:extLst>
+          </p:cNvPr>
+          <p:cNvSpPr txBox="1"/>
+          <p:nvPr/>
+        </p:nvSpPr>
+        <p:spPr>
+          <a:xfrm>
+            <a:off x="4093998" y="863717"/>
+            <a:ext cx="404278" cy="246221"/>
+          </a:xfrm>
+          <a:prstGeom prst="rect">
+            <a:avLst/>
+          </a:prstGeom>
+          <a:noFill/>
+        </p:spPr>
+        <p:txBody>
+          <a:bodyPr wrap="none" rtlCol="0">
+            <a:spAutoFit/>
+          </a:bodyPr>
+          <a:lstStyle/>
+          <a:p>
+            <a:r>
+              <a:rPr kumimoji="1" lang="en-US" altLang="zh-CN" sz="1000" dirty="0">
+                <a:solidFill>
+                  <a:srgbClr val="FF0000"/>
+                </a:solidFill>
+                <a:latin typeface="Arial Narrow" panose="020B0604020202020204" pitchFamily="34" charset="0"/>
+                <a:cs typeface="Arial Narrow" panose="020B0604020202020204" pitchFamily="34" charset="0"/>
+              </a:rPr>
+              <a:t>Snat</a:t>
+            </a:r>
+            <a:endParaRPr kumimoji="1" lang="zh-CN" altLang="en-US" sz="1000" dirty="0">
+              <a:solidFill>
+                <a:srgbClr val="FF0000"/>
+              </a:solidFill>
+              <a:latin typeface="Arial Narrow" panose="020B0604020202020204" pitchFamily="34" charset="0"/>
+              <a:cs typeface="Arial Narrow" panose="020B0604020202020204" pitchFamily="34" charset="0"/>
+            </a:endParaRPr>
+          </a:p>
+        </p:txBody>
+      </p:sp>
+      <p:sp>
+        <p:nvSpPr>
+          <p:cNvPr id="32" name="文本框 31">
+            <a:extLst>
+              <a:ext uri="{FF2B5EF4-FFF2-40B4-BE49-F238E27FC236}">
+                <a16:creationId xmlns:a16="http://schemas.microsoft.com/office/drawing/2014/main" id="{E0BB6CFE-82DD-BF61-2200-716FDB4470C0}"/>
+              </a:ext>
+            </a:extLst>
+          </p:cNvPr>
+          <p:cNvSpPr txBox="1"/>
+          <p:nvPr/>
+        </p:nvSpPr>
+        <p:spPr>
+          <a:xfrm>
+            <a:off x="7229703" y="4427005"/>
+            <a:ext cx="404278" cy="246221"/>
+          </a:xfrm>
+          <a:prstGeom prst="rect">
+            <a:avLst/>
+          </a:prstGeom>
+          <a:noFill/>
+        </p:spPr>
+        <p:txBody>
+          <a:bodyPr wrap="none" rtlCol="0">
+            <a:spAutoFit/>
+          </a:bodyPr>
+          <a:lstStyle/>
+          <a:p>
+            <a:r>
+              <a:rPr kumimoji="1" lang="en-US" altLang="zh-CN" sz="1000" dirty="0">
+                <a:solidFill>
+                  <a:srgbClr val="FF0000"/>
+                </a:solidFill>
+                <a:latin typeface="Arial Narrow" panose="020B0604020202020204" pitchFamily="34" charset="0"/>
+                <a:cs typeface="Arial Narrow" panose="020B0604020202020204" pitchFamily="34" charset="0"/>
+              </a:rPr>
+              <a:t>Snat</a:t>
+            </a:r>
+            <a:endParaRPr kumimoji="1" lang="zh-CN" altLang="en-US" sz="1000" dirty="0">
+              <a:solidFill>
+                <a:srgbClr val="FF0000"/>
+              </a:solidFill>
+              <a:latin typeface="Arial Narrow" panose="020B0604020202020204" pitchFamily="34" charset="0"/>
+              <a:cs typeface="Arial Narrow" panose="020B0604020202020204" pitchFamily="34" charset="0"/>
+            </a:endParaRPr>
+          </a:p>
+        </p:txBody>
+      </p:sp>
+      <p:sp>
+        <p:nvSpPr>
+          <p:cNvPr id="33" name="文本框 32">
+            <a:extLst>
+              <a:ext uri="{FF2B5EF4-FFF2-40B4-BE49-F238E27FC236}">
+                <a16:creationId xmlns:a16="http://schemas.microsoft.com/office/drawing/2014/main" id="{B5DD3B9A-9735-7270-E0ED-9097E19C497A}"/>
+              </a:ext>
+            </a:extLst>
+          </p:cNvPr>
+          <p:cNvSpPr txBox="1"/>
+          <p:nvPr/>
+        </p:nvSpPr>
+        <p:spPr>
+          <a:xfrm>
+            <a:off x="9372097" y="4427005"/>
+            <a:ext cx="404278" cy="246221"/>
+          </a:xfrm>
+          <a:prstGeom prst="rect">
+            <a:avLst/>
+          </a:prstGeom>
+          <a:noFill/>
+        </p:spPr>
+        <p:txBody>
+          <a:bodyPr wrap="none" rtlCol="0">
+            <a:spAutoFit/>
+          </a:bodyPr>
+          <a:lstStyle/>
+          <a:p>
+            <a:r>
+              <a:rPr kumimoji="1" lang="en-US" altLang="zh-CN" sz="1000" dirty="0">
+                <a:solidFill>
+                  <a:srgbClr val="FF0000"/>
+                </a:solidFill>
+                <a:latin typeface="Arial Narrow" panose="020B0604020202020204" pitchFamily="34" charset="0"/>
+                <a:cs typeface="Arial Narrow" panose="020B0604020202020204" pitchFamily="34" charset="0"/>
+              </a:rPr>
+              <a:t>Dnat</a:t>
+            </a:r>
+            <a:endParaRPr kumimoji="1" lang="zh-CN" altLang="en-US" sz="1000" dirty="0">
+              <a:solidFill>
+                <a:srgbClr val="FF0000"/>
+              </a:solidFill>
+              <a:latin typeface="Arial Narrow" panose="020B0604020202020204" pitchFamily="34" charset="0"/>
+              <a:cs typeface="Arial Narrow" panose="020B0604020202020204" pitchFamily="34" charset="0"/>
+            </a:endParaRPr>
+          </a:p>
+        </p:txBody>
+      </p:sp>
     </p:spTree>
     <p:extLst>
       <p:ext uri="{BB962C8B-B14F-4D97-AF65-F5344CB8AC3E}">
